--- a/Project_v2.pptx
+++ b/Project_v2.pptx
@@ -10,6 +10,7 @@
     <p:sldId id="258" r:id="rId4"/>
     <p:sldId id="259" r:id="rId5"/>
     <p:sldId id="260" r:id="rId6"/>
+    <p:sldId id="261" r:id="rId7"/>
   </p:sldIdLst>
   <p:sldSz cx="12192000" cy="6858000"/>
   <p:notesSz cx="6858000" cy="9144000"/>
@@ -3860,7 +3861,7 @@
           <p:nvPr/>
         </p:nvPicPr>
         <p:blipFill>
-          <a:blip r:embed="rId4">
+          <a:blip r:embed="rId5">
             <a:extLst>
               <a:ext uri="{28A0092B-C50C-407E-A947-70E740481C1C}">
                 <a14:useLocalDpi xmlns:a14="http://schemas.microsoft.com/office/drawing/2010/main" val="0"/>
@@ -3890,7 +3891,7 @@
           <p:nvPr/>
         </p:nvPicPr>
         <p:blipFill>
-          <a:blip r:embed="rId5">
+          <a:blip r:embed="rId6">
             <a:extLst>
               <a:ext uri="{28A0092B-C50C-407E-A947-70E740481C1C}">
                 <a14:useLocalDpi xmlns:a14="http://schemas.microsoft.com/office/drawing/2010/main" val="0"/>
@@ -3920,7 +3921,7 @@
           <p:nvPr/>
         </p:nvPicPr>
         <p:blipFill>
-          <a:blip r:embed="rId6">
+          <a:blip r:embed="rId7">
             <a:extLst>
               <a:ext uri="{28A0092B-C50C-407E-A947-70E740481C1C}">
                 <a14:useLocalDpi xmlns:a14="http://schemas.microsoft.com/office/drawing/2010/main" val="0"/>
@@ -3950,7 +3951,7 @@
           <p:nvPr/>
         </p:nvPicPr>
         <p:blipFill>
-          <a:blip r:embed="rId7">
+          <a:blip r:embed="rId8">
             <a:extLst>
               <a:ext uri="{28A0092B-C50C-407E-A947-70E740481C1C}">
                 <a14:useLocalDpi xmlns:a14="http://schemas.microsoft.com/office/drawing/2010/main" val="0"/>
@@ -3994,7 +3995,7 @@
             <p:nvPr/>
           </p:nvPicPr>
           <p:blipFill>
-            <a:blip r:embed="rId8">
+            <a:blip r:embed="rId9">
               <a:extLst>
                 <a:ext uri="{28A0092B-C50C-407E-A947-70E740481C1C}">
                   <a14:useLocalDpi xmlns:a14="http://schemas.microsoft.com/office/drawing/2010/main" val="0"/>
@@ -4024,7 +4025,7 @@
             <p:nvPr/>
           </p:nvPicPr>
           <p:blipFill>
-            <a:blip r:embed="rId8">
+            <a:blip r:embed="rId9">
               <a:extLst>
                 <a:ext uri="{28A0092B-C50C-407E-A947-70E740481C1C}">
                   <a14:useLocalDpi xmlns:a14="http://schemas.microsoft.com/office/drawing/2010/main" val="0"/>
@@ -4054,7 +4055,7 @@
             <p:nvPr/>
           </p:nvPicPr>
           <p:blipFill>
-            <a:blip r:embed="rId8">
+            <a:blip r:embed="rId9">
               <a:extLst>
                 <a:ext uri="{28A0092B-C50C-407E-A947-70E740481C1C}">
                   <a14:useLocalDpi xmlns:a14="http://schemas.microsoft.com/office/drawing/2010/main" val="0"/>
@@ -4107,7 +4108,7 @@
                 <a:latin typeface="Times New Roman" panose="02020603050405020304" pitchFamily="18" charset="0"/>
                 <a:cs typeface="Times New Roman" panose="02020603050405020304" pitchFamily="18" charset="0"/>
               </a:rPr>
-              <a:t>Попробуем рассмотреть лишь среднюю опцию.</a:t>
+              <a:t>Попробуем рассмотреть лишь одну опцию.</a:t>
             </a:r>
           </a:p>
         </p:txBody>
@@ -4130,14 +4131,14 @@
           </p:nvPr>
         </p:nvPicPr>
         <p:blipFill>
-          <a:blip r:embed="rId9"/>
+          <a:blip r:embed="rId10"/>
           <a:stretch>
             <a:fillRect/>
           </a:stretch>
         </p:blipFill>
         <p:spPr>
           <a:xfrm>
-            <a:off x="6696086" y="2171812"/>
+            <a:off x="6696086" y="2546716"/>
             <a:ext cx="4940380" cy="3528843"/>
           </a:xfrm>
           <a:prstGeom prst="rect">
@@ -4153,7 +4154,7 @@
         </p:nvSpPr>
         <p:spPr>
           <a:xfrm>
-            <a:off x="363254" y="3511314"/>
+            <a:off x="400832" y="3548892"/>
             <a:ext cx="5210828" cy="1754326"/>
           </a:xfrm>
           <a:prstGeom prst="rect">
@@ -4176,18 +4177,33 @@
                 <a:latin typeface="Times New Roman" panose="02020603050405020304" pitchFamily="18" charset="0"/>
                 <a:cs typeface="Times New Roman" panose="02020603050405020304" pitchFamily="18" charset="0"/>
               </a:rPr>
-              <a:t>Сложность в том, что мы не знаем </a:t>
-            </a:r>
-            <a:r>
-              <a:rPr lang="ru-RU" sz="3600" dirty="0" err="1" smtClean="0">
-                <a:solidFill>
-                  <a:schemeClr val="bg1"/>
-                </a:solidFill>
-                <a:latin typeface="Times New Roman" panose="02020603050405020304" pitchFamily="18" charset="0"/>
-                <a:cs typeface="Times New Roman" panose="02020603050405020304" pitchFamily="18" charset="0"/>
-              </a:rPr>
-              <a:t>развесовку</a:t>
-            </a:r>
+              <a:t>Сложность в том, что мы не знаем, как взвешена наша игральная кость.</a:t>
+            </a:r>
+          </a:p>
+        </p:txBody>
+      </p:sp>
+      <p:sp>
+        <p:nvSpPr>
+          <p:cNvPr id="17" name="TextBox 16"/>
+          <p:cNvSpPr txBox="1"/>
+          <p:nvPr/>
+        </p:nvSpPr>
+        <p:spPr>
+          <a:xfrm>
+            <a:off x="914052" y="1134289"/>
+            <a:ext cx="4220565" cy="1200329"/>
+          </a:xfrm>
+          <a:prstGeom prst="rect">
+            <a:avLst/>
+          </a:prstGeom>
+          <a:noFill/>
+        </p:spPr>
+        <p:txBody>
+          <a:bodyPr wrap="square" rtlCol="0">
+            <a:spAutoFit/>
+          </a:bodyPr>
+          <a:lstStyle/>
+          <a:p>
             <a:r>
               <a:rPr lang="ru-RU" sz="3600" dirty="0" smtClean="0">
                 <a:solidFill>
@@ -4196,9 +4212,9 @@
                 <a:latin typeface="Times New Roman" panose="02020603050405020304" pitchFamily="18" charset="0"/>
                 <a:cs typeface="Times New Roman" panose="02020603050405020304" pitchFamily="18" charset="0"/>
               </a:rPr>
-              <a:t> нашей игральной кости.</a:t>
-            </a:r>
-            <a:endParaRPr lang="ru-RU" sz="3600" dirty="0" smtClean="0">
+              <a:t>Рейтинг по отзывам преобразуется в:</a:t>
+            </a:r>
+            <a:endParaRPr lang="en-US" sz="3600" dirty="0" smtClean="0">
               <a:solidFill>
                 <a:schemeClr val="bg1"/>
               </a:solidFill>
@@ -4208,6 +4224,40 @@
           </a:p>
         </p:txBody>
       </p:sp>
+      <p:pic>
+        <p:nvPicPr>
+          <p:cNvPr id="9" name="Рисунок 8" descr="\documentclass{article}&#10;\input{D:/some__shit/Ultra_Probably_Project/pkg.tex}&#10;\pagestyle{empty}&#10;\begin{document}&#10;&#10;$\YELLOWC{Rate^{\star}} \WHITE{ = \frac{1}{5} \displaystyle\sum_{i=1}^{122} \YELLOWC{Roll_i}} \\*&#10;\WHITE{1 \leq \YELLOWC{Roll_i} \leq 5; \YELLOWC{Roll_i} \in \mathbb{N}}$&#10;&#10;\end{document}" title="IguanaTex Bitmap Display"/>
+          <p:cNvPicPr>
+            <a:picLocks noChangeAspect="1"/>
+          </p:cNvPicPr>
+          <p:nvPr>
+            <p:custDataLst>
+              <p:tags r:id="rId3"/>
+            </p:custDataLst>
+          </p:nvPr>
+        </p:nvPicPr>
+        <p:blipFill>
+          <a:blip r:embed="rId11" cstate="print">
+            <a:extLst>
+              <a:ext uri="{28A0092B-C50C-407E-A947-70E740481C1C}">
+                <a14:useLocalDpi xmlns:a14="http://schemas.microsoft.com/office/drawing/2010/main" val="0"/>
+              </a:ext>
+            </a:extLst>
+          </a:blip>
+          <a:stretch>
+            <a:fillRect/>
+          </a:stretch>
+        </p:blipFill>
+        <p:spPr>
+          <a:xfrm>
+            <a:off x="405990" y="2479124"/>
+            <a:ext cx="5711515" cy="2196893"/>
+          </a:xfrm>
+          <a:prstGeom prst="rect">
+            <a:avLst/>
+          </a:prstGeom>
+        </p:spPr>
+      </p:pic>
     </p:spTree>
     <p:extLst>
       <p:ext uri="{BB962C8B-B14F-4D97-AF65-F5344CB8AC3E}">
@@ -4904,6 +4954,182 @@
                       </p:childTnLst>
                     </p:cTn>
                   </p:par>
+                  <p:par>
+                    <p:cTn id="71" fill="hold">
+                      <p:stCondLst>
+                        <p:cond delay="indefinite"/>
+                      </p:stCondLst>
+                      <p:childTnLst>
+                        <p:par>
+                          <p:cTn id="72" fill="hold">
+                            <p:stCondLst>
+                              <p:cond delay="0"/>
+                            </p:stCondLst>
+                            <p:childTnLst>
+                              <p:par>
+                                <p:cTn id="73" presetID="10" presetClass="exit" presetSubtype="0" fill="hold" grpId="1" nodeType="clickEffect">
+                                  <p:stCondLst>
+                                    <p:cond delay="0"/>
+                                  </p:stCondLst>
+                                  <p:childTnLst>
+                                    <p:animEffect transition="out" filter="fade">
+                                      <p:cBhvr>
+                                        <p:cTn id="74" dur="500"/>
+                                        <p:tgtEl>
+                                          <p:spTgt spid="16"/>
+                                        </p:tgtEl>
+                                      </p:cBhvr>
+                                    </p:animEffect>
+                                    <p:set>
+                                      <p:cBhvr>
+                                        <p:cTn id="75" dur="1" fill="hold">
+                                          <p:stCondLst>
+                                            <p:cond delay="499"/>
+                                          </p:stCondLst>
+                                        </p:cTn>
+                                        <p:tgtEl>
+                                          <p:spTgt spid="16"/>
+                                        </p:tgtEl>
+                                        <p:attrNameLst>
+                                          <p:attrName>style.visibility</p:attrName>
+                                        </p:attrNameLst>
+                                      </p:cBhvr>
+                                      <p:to>
+                                        <p:strVal val="hidden"/>
+                                      </p:to>
+                                    </p:set>
+                                  </p:childTnLst>
+                                </p:cTn>
+                              </p:par>
+                              <p:par>
+                                <p:cTn id="76" presetID="10" presetClass="exit" presetSubtype="0" fill="hold" nodeType="withEffect">
+                                  <p:stCondLst>
+                                    <p:cond delay="0"/>
+                                  </p:stCondLst>
+                                  <p:childTnLst>
+                                    <p:animEffect transition="out" filter="fade">
+                                      <p:cBhvr>
+                                        <p:cTn id="77" dur="500"/>
+                                        <p:tgtEl>
+                                          <p:spTgt spid="23"/>
+                                        </p:tgtEl>
+                                      </p:cBhvr>
+                                    </p:animEffect>
+                                    <p:set>
+                                      <p:cBhvr>
+                                        <p:cTn id="78" dur="1" fill="hold">
+                                          <p:stCondLst>
+                                            <p:cond delay="499"/>
+                                          </p:stCondLst>
+                                        </p:cTn>
+                                        <p:tgtEl>
+                                          <p:spTgt spid="23"/>
+                                        </p:tgtEl>
+                                        <p:attrNameLst>
+                                          <p:attrName>style.visibility</p:attrName>
+                                        </p:attrNameLst>
+                                      </p:cBhvr>
+                                      <p:to>
+                                        <p:strVal val="hidden"/>
+                                      </p:to>
+                                    </p:set>
+                                  </p:childTnLst>
+                                </p:cTn>
+                              </p:par>
+                            </p:childTnLst>
+                          </p:cTn>
+                        </p:par>
+                        <p:par>
+                          <p:cTn id="79" fill="hold">
+                            <p:stCondLst>
+                              <p:cond delay="500"/>
+                            </p:stCondLst>
+                            <p:childTnLst>
+                              <p:par>
+                                <p:cTn id="80" presetID="10" presetClass="entr" presetSubtype="0" fill="hold" grpId="0" nodeType="afterEffect">
+                                  <p:stCondLst>
+                                    <p:cond delay="0"/>
+                                  </p:stCondLst>
+                                  <p:childTnLst>
+                                    <p:set>
+                                      <p:cBhvr>
+                                        <p:cTn id="81" dur="1" fill="hold">
+                                          <p:stCondLst>
+                                            <p:cond delay="0"/>
+                                          </p:stCondLst>
+                                        </p:cTn>
+                                        <p:tgtEl>
+                                          <p:spTgt spid="17"/>
+                                        </p:tgtEl>
+                                        <p:attrNameLst>
+                                          <p:attrName>style.visibility</p:attrName>
+                                        </p:attrNameLst>
+                                      </p:cBhvr>
+                                      <p:to>
+                                        <p:strVal val="visible"/>
+                                      </p:to>
+                                    </p:set>
+                                    <p:animEffect transition="in" filter="fade">
+                                      <p:cBhvr>
+                                        <p:cTn id="82" dur="500"/>
+                                        <p:tgtEl>
+                                          <p:spTgt spid="17"/>
+                                        </p:tgtEl>
+                                      </p:cBhvr>
+                                    </p:animEffect>
+                                  </p:childTnLst>
+                                </p:cTn>
+                              </p:par>
+                            </p:childTnLst>
+                          </p:cTn>
+                        </p:par>
+                        <p:par>
+                          <p:cTn id="83" fill="hold">
+                            <p:stCondLst>
+                              <p:cond delay="1000"/>
+                            </p:stCondLst>
+                            <p:childTnLst>
+                              <p:par>
+                                <p:cTn id="84" presetID="10" presetClass="entr" presetSubtype="0" fill="hold" nodeType="afterEffect">
+                                  <p:stCondLst>
+                                    <p:cond delay="250"/>
+                                  </p:stCondLst>
+                                  <p:childTnLst>
+                                    <p:set>
+                                      <p:cBhvr>
+                                        <p:cTn id="85" dur="1" fill="hold">
+                                          <p:stCondLst>
+                                            <p:cond delay="0"/>
+                                          </p:stCondLst>
+                                        </p:cTn>
+                                        <p:tgtEl>
+                                          <p:spTgt spid="9"/>
+                                        </p:tgtEl>
+                                        <p:attrNameLst>
+                                          <p:attrName>style.visibility</p:attrName>
+                                        </p:attrNameLst>
+                                      </p:cBhvr>
+                                      <p:to>
+                                        <p:strVal val="visible"/>
+                                      </p:to>
+                                    </p:set>
+                                    <p:animEffect transition="in" filter="fade">
+                                      <p:cBhvr>
+                                        <p:cTn id="86" dur="500"/>
+                                        <p:tgtEl>
+                                          <p:spTgt spid="9"/>
+                                        </p:tgtEl>
+                                      </p:cBhvr>
+                                    </p:animEffect>
+                                  </p:childTnLst>
+                                </p:cTn>
+                              </p:par>
+                            </p:childTnLst>
+                          </p:cTn>
+                        </p:par>
+                      </p:childTnLst>
+                    </p:cTn>
+                  </p:par>
                 </p:childTnLst>
               </p:cTn>
               <p:prevCondLst>
@@ -4923,7 +5149,7 @@
             </p:seq>
             <p:video>
               <p:cMediaNode vol="80000">
-                <p:cTn id="71" fill="hold" display="0">
+                <p:cTn id="87" fill="hold" display="0">
                   <p:stCondLst>
                     <p:cond delay="indefinite"/>
                   </p:stCondLst>
@@ -4940,6 +5166,8 @@
     <p:bldLst>
       <p:bldP spid="26" grpId="0"/>
       <p:bldP spid="16" grpId="0"/>
+      <p:bldP spid="16" grpId="1"/>
+      <p:bldP spid="17" grpId="0"/>
     </p:bldLst>
   </p:timing>
 </p:sld>
@@ -5008,6 +5236,190 @@
           </a:p>
         </p:txBody>
       </p:sp>
+      <p:sp>
+        <p:nvSpPr>
+          <p:cNvPr id="3" name="TextBox 2"/>
+          <p:cNvSpPr txBox="1"/>
+          <p:nvPr/>
+        </p:nvSpPr>
+        <p:spPr>
+          <a:xfrm>
+            <a:off x="538618" y="442437"/>
+            <a:ext cx="5210828" cy="3970318"/>
+          </a:xfrm>
+          <a:prstGeom prst="rect">
+            <a:avLst/>
+          </a:prstGeom>
+          <a:noFill/>
+        </p:spPr>
+        <p:txBody>
+          <a:bodyPr wrap="square" rtlCol="0">
+            <a:spAutoFit/>
+          </a:bodyPr>
+          <a:lstStyle/>
+          <a:p>
+            <a:pPr algn="ctr"/>
+            <a:r>
+              <a:rPr lang="ru-RU" sz="3600" dirty="0" smtClean="0">
+                <a:solidFill>
+                  <a:schemeClr val="bg1"/>
+                </a:solidFill>
+                <a:latin typeface="Times New Roman" panose="02020603050405020304" pitchFamily="18" charset="0"/>
+                <a:cs typeface="Times New Roman" panose="02020603050405020304" pitchFamily="18" charset="0"/>
+              </a:rPr>
+              <a:t>У рассматриваемого объекта – </a:t>
+            </a:r>
+            <a:r>
+              <a:rPr lang="ru-RU" sz="3600" dirty="0" smtClean="0">
+                <a:solidFill>
+                  <a:srgbClr val="F4D345"/>
+                </a:solidFill>
+                <a:latin typeface="Times New Roman" panose="02020603050405020304" pitchFamily="18" charset="0"/>
+                <a:cs typeface="Times New Roman" panose="02020603050405020304" pitchFamily="18" charset="0"/>
+              </a:rPr>
+              <a:t>122 события.</a:t>
+            </a:r>
+          </a:p>
+          <a:p>
+            <a:pPr algn="ctr"/>
+            <a:endParaRPr lang="ru-RU" sz="3600" dirty="0" smtClean="0">
+              <a:solidFill>
+                <a:schemeClr val="bg1"/>
+              </a:solidFill>
+              <a:latin typeface="Times New Roman" panose="02020603050405020304" pitchFamily="18" charset="0"/>
+              <a:cs typeface="Times New Roman" panose="02020603050405020304" pitchFamily="18" charset="0"/>
+            </a:endParaRPr>
+          </a:p>
+          <a:p>
+            <a:pPr algn="ctr"/>
+            <a:r>
+              <a:rPr lang="ru-RU" sz="3600" dirty="0" smtClean="0">
+                <a:solidFill>
+                  <a:schemeClr val="bg1"/>
+                </a:solidFill>
+                <a:latin typeface="Times New Roman" panose="02020603050405020304" pitchFamily="18" charset="0"/>
+                <a:cs typeface="Times New Roman" panose="02020603050405020304" pitchFamily="18" charset="0"/>
+              </a:rPr>
+              <a:t>Каждое из событий – бросок одной и той же взвешенной пятигранной игральной кости.</a:t>
+            </a:r>
+          </a:p>
+        </p:txBody>
+      </p:sp>
+      <p:pic>
+        <p:nvPicPr>
+          <p:cNvPr id="4" name="Рисунок 3"/>
+          <p:cNvPicPr>
+            <a:picLocks noChangeAspect="1"/>
+          </p:cNvPicPr>
+          <p:nvPr/>
+        </p:nvPicPr>
+        <p:blipFill>
+          <a:blip r:embed="rId2">
+            <a:extLst>
+              <a:ext uri="{28A0092B-C50C-407E-A947-70E740481C1C}">
+                <a14:useLocalDpi xmlns:a14="http://schemas.microsoft.com/office/drawing/2010/main" val="0"/>
+              </a:ext>
+            </a:extLst>
+          </a:blip>
+          <a:stretch>
+            <a:fillRect/>
+          </a:stretch>
+        </p:blipFill>
+        <p:spPr>
+          <a:xfrm>
+            <a:off x="6288064" y="442437"/>
+            <a:ext cx="5361351" cy="3829537"/>
+          </a:xfrm>
+          <a:prstGeom prst="rect">
+            <a:avLst/>
+          </a:prstGeom>
+        </p:spPr>
+      </p:pic>
+      <p:sp>
+        <p:nvSpPr>
+          <p:cNvPr id="5" name="TextBox 4"/>
+          <p:cNvSpPr txBox="1"/>
+          <p:nvPr/>
+        </p:nvSpPr>
+        <p:spPr>
+          <a:xfrm>
+            <a:off x="540601" y="4410825"/>
+            <a:ext cx="11110797" cy="1200329"/>
+          </a:xfrm>
+          <a:prstGeom prst="rect">
+            <a:avLst/>
+          </a:prstGeom>
+          <a:noFill/>
+        </p:spPr>
+        <p:txBody>
+          <a:bodyPr wrap="square" rtlCol="0">
+            <a:spAutoFit/>
+          </a:bodyPr>
+          <a:lstStyle/>
+          <a:p>
+            <a:r>
+              <a:rPr lang="ru-RU" sz="3600" dirty="0" smtClean="0">
+                <a:solidFill>
+                  <a:schemeClr val="bg1"/>
+                </a:solidFill>
+                <a:latin typeface="Times New Roman" panose="02020603050405020304" pitchFamily="18" charset="0"/>
+                <a:cs typeface="Times New Roman" panose="02020603050405020304" pitchFamily="18" charset="0"/>
+              </a:rPr>
+              <a:t>Для начала будет проще показать ожидаемые данные при известной </a:t>
+            </a:r>
+            <a:r>
+              <a:rPr lang="en-US" sz="3600" b="1" i="1" dirty="0" smtClean="0">
+                <a:solidFill>
+                  <a:srgbClr val="DDDDDD"/>
+                </a:solidFill>
+                <a:latin typeface="Times New Roman" panose="02020603050405020304" pitchFamily="18" charset="0"/>
+                <a:cs typeface="Times New Roman" panose="02020603050405020304" pitchFamily="18" charset="0"/>
+              </a:rPr>
+              <a:t>[</a:t>
+            </a:r>
+            <a:r>
+              <a:rPr lang="ru-RU" sz="3600" b="1" i="1" dirty="0" smtClean="0">
+                <a:solidFill>
+                  <a:srgbClr val="DDDDDD"/>
+                </a:solidFill>
+                <a:latin typeface="Times New Roman" panose="02020603050405020304" pitchFamily="18" charset="0"/>
+                <a:cs typeface="Times New Roman" panose="02020603050405020304" pitchFamily="18" charset="0"/>
+              </a:rPr>
+              <a:t>и простой</a:t>
+            </a:r>
+            <a:r>
+              <a:rPr lang="en-US" sz="3600" b="1" i="1" dirty="0" smtClean="0">
+                <a:solidFill>
+                  <a:srgbClr val="DDDDDD"/>
+                </a:solidFill>
+                <a:latin typeface="Times New Roman" panose="02020603050405020304" pitchFamily="18" charset="0"/>
+                <a:cs typeface="Times New Roman" panose="02020603050405020304" pitchFamily="18" charset="0"/>
+              </a:rPr>
+              <a:t>]</a:t>
+            </a:r>
+            <a:r>
+              <a:rPr lang="ru-RU" sz="3600" dirty="0" smtClean="0">
+                <a:solidFill>
+                  <a:srgbClr val="DDDDDD"/>
+                </a:solidFill>
+                <a:latin typeface="Times New Roman" panose="02020603050405020304" pitchFamily="18" charset="0"/>
+                <a:cs typeface="Times New Roman" panose="02020603050405020304" pitchFamily="18" charset="0"/>
+              </a:rPr>
+              <a:t> </a:t>
+            </a:r>
+            <a:r>
+              <a:rPr lang="ru-RU" sz="3600" dirty="0" smtClean="0">
+                <a:solidFill>
+                  <a:schemeClr val="bg1"/>
+                </a:solidFill>
+                <a:latin typeface="Times New Roman" panose="02020603050405020304" pitchFamily="18" charset="0"/>
+                <a:cs typeface="Times New Roman" panose="02020603050405020304" pitchFamily="18" charset="0"/>
+              </a:rPr>
+              <a:t>модели распределения.</a:t>
+            </a:r>
+          </a:p>
+        </p:txBody>
+      </p:sp>
     </p:spTree>
     <p:extLst>
       <p:ext uri="{BB962C8B-B14F-4D97-AF65-F5344CB8AC3E}">
@@ -5024,11 +5436,742 @@
   <p:timing>
     <p:tnLst>
       <p:par>
-        <p:cTn id="1" dur="indefinite" restart="never" nodeType="tmRoot"/>
+        <p:cTn id="1" dur="indefinite" restart="never" nodeType="tmRoot">
+          <p:childTnLst>
+            <p:seq concurrent="1" nextAc="seek">
+              <p:cTn id="2" dur="indefinite" nodeType="mainSeq">
+                <p:childTnLst>
+                  <p:par>
+                    <p:cTn id="3" fill="hold">
+                      <p:stCondLst>
+                        <p:cond delay="indefinite"/>
+                        <p:cond evt="onBegin" delay="0">
+                          <p:tn val="2"/>
+                        </p:cond>
+                      </p:stCondLst>
+                      <p:childTnLst>
+                        <p:par>
+                          <p:cTn id="4" fill="hold">
+                            <p:stCondLst>
+                              <p:cond delay="0"/>
+                            </p:stCondLst>
+                            <p:childTnLst>
+                              <p:par>
+                                <p:cTn id="5" presetID="10" presetClass="entr" presetSubtype="0" fill="hold" grpId="0" nodeType="afterEffect">
+                                  <p:stCondLst>
+                                    <p:cond delay="500"/>
+                                  </p:stCondLst>
+                                  <p:childTnLst>
+                                    <p:set>
+                                      <p:cBhvr>
+                                        <p:cTn id="6" dur="1" fill="hold">
+                                          <p:stCondLst>
+                                            <p:cond delay="0"/>
+                                          </p:stCondLst>
+                                        </p:cTn>
+                                        <p:tgtEl>
+                                          <p:spTgt spid="3"/>
+                                        </p:tgtEl>
+                                        <p:attrNameLst>
+                                          <p:attrName>style.visibility</p:attrName>
+                                        </p:attrNameLst>
+                                      </p:cBhvr>
+                                      <p:to>
+                                        <p:strVal val="visible"/>
+                                      </p:to>
+                                    </p:set>
+                                    <p:animEffect transition="in" filter="fade">
+                                      <p:cBhvr>
+                                        <p:cTn id="7" dur="500"/>
+                                        <p:tgtEl>
+                                          <p:spTgt spid="3"/>
+                                        </p:tgtEl>
+                                      </p:cBhvr>
+                                    </p:animEffect>
+                                  </p:childTnLst>
+                                </p:cTn>
+                              </p:par>
+                            </p:childTnLst>
+                          </p:cTn>
+                        </p:par>
+                        <p:par>
+                          <p:cTn id="8" fill="hold">
+                            <p:stCondLst>
+                              <p:cond delay="1000"/>
+                            </p:stCondLst>
+                            <p:childTnLst>
+                              <p:par>
+                                <p:cTn id="9" presetID="10" presetClass="entr" presetSubtype="0" fill="hold" nodeType="afterEffect">
+                                  <p:stCondLst>
+                                    <p:cond delay="0"/>
+                                  </p:stCondLst>
+                                  <p:childTnLst>
+                                    <p:set>
+                                      <p:cBhvr>
+                                        <p:cTn id="10" dur="1" fill="hold">
+                                          <p:stCondLst>
+                                            <p:cond delay="0"/>
+                                          </p:stCondLst>
+                                        </p:cTn>
+                                        <p:tgtEl>
+                                          <p:spTgt spid="4"/>
+                                        </p:tgtEl>
+                                        <p:attrNameLst>
+                                          <p:attrName>style.visibility</p:attrName>
+                                        </p:attrNameLst>
+                                      </p:cBhvr>
+                                      <p:to>
+                                        <p:strVal val="visible"/>
+                                      </p:to>
+                                    </p:set>
+                                    <p:animEffect transition="in" filter="fade">
+                                      <p:cBhvr>
+                                        <p:cTn id="11" dur="500"/>
+                                        <p:tgtEl>
+                                          <p:spTgt spid="4"/>
+                                        </p:tgtEl>
+                                      </p:cBhvr>
+                                    </p:animEffect>
+                                  </p:childTnLst>
+                                </p:cTn>
+                              </p:par>
+                            </p:childTnLst>
+                          </p:cTn>
+                        </p:par>
+                        <p:par>
+                          <p:cTn id="12" fill="hold">
+                            <p:stCondLst>
+                              <p:cond delay="1500"/>
+                            </p:stCondLst>
+                            <p:childTnLst>
+                              <p:par>
+                                <p:cTn id="13" presetID="10" presetClass="entr" presetSubtype="0" fill="hold" grpId="0" nodeType="afterEffect">
+                                  <p:stCondLst>
+                                    <p:cond delay="0"/>
+                                  </p:stCondLst>
+                                  <p:childTnLst>
+                                    <p:set>
+                                      <p:cBhvr>
+                                        <p:cTn id="14" dur="1" fill="hold">
+                                          <p:stCondLst>
+                                            <p:cond delay="0"/>
+                                          </p:stCondLst>
+                                        </p:cTn>
+                                        <p:tgtEl>
+                                          <p:spTgt spid="5"/>
+                                        </p:tgtEl>
+                                        <p:attrNameLst>
+                                          <p:attrName>style.visibility</p:attrName>
+                                        </p:attrNameLst>
+                                      </p:cBhvr>
+                                      <p:to>
+                                        <p:strVal val="visible"/>
+                                      </p:to>
+                                    </p:set>
+                                    <p:animEffect transition="in" filter="fade">
+                                      <p:cBhvr>
+                                        <p:cTn id="15" dur="500"/>
+                                        <p:tgtEl>
+                                          <p:spTgt spid="5"/>
+                                        </p:tgtEl>
+                                      </p:cBhvr>
+                                    </p:animEffect>
+                                  </p:childTnLst>
+                                </p:cTn>
+                              </p:par>
+                            </p:childTnLst>
+                          </p:cTn>
+                        </p:par>
+                      </p:childTnLst>
+                    </p:cTn>
+                  </p:par>
+                </p:childTnLst>
+              </p:cTn>
+              <p:prevCondLst>
+                <p:cond evt="onPrev" delay="0">
+                  <p:tgtEl>
+                    <p:sldTgt/>
+                  </p:tgtEl>
+                </p:cond>
+              </p:prevCondLst>
+              <p:nextCondLst>
+                <p:cond evt="onNext" delay="0">
+                  <p:tgtEl>
+                    <p:sldTgt/>
+                  </p:tgtEl>
+                </p:cond>
+              </p:nextCondLst>
+            </p:seq>
+          </p:childTnLst>
+        </p:cTn>
       </p:par>
     </p:tnLst>
+    <p:bldLst>
+      <p:bldP spid="3" grpId="0"/>
+      <p:bldP spid="5" grpId="0"/>
+    </p:bldLst>
   </p:timing>
 </p:sld>
+</file>
+
+<file path=ppt/slides/slide6.xml><?xml version="1.0" encoding="utf-8"?>
+<p:sld xmlns:a="http://schemas.openxmlformats.org/drawingml/2006/main" xmlns:r="http://schemas.openxmlformats.org/officeDocument/2006/relationships" xmlns:p="http://schemas.openxmlformats.org/presentationml/2006/main">
+  <p:cSld>
+    <p:spTree>
+      <p:nvGrpSpPr>
+        <p:cNvPr id="1" name=""/>
+        <p:cNvGrpSpPr/>
+        <p:nvPr/>
+      </p:nvGrpSpPr>
+      <p:grpSpPr>
+        <a:xfrm>
+          <a:off x="0" y="0"/>
+          <a:ext cx="0" cy="0"/>
+          <a:chOff x="0" y="0"/>
+          <a:chExt cx="0" cy="0"/>
+        </a:xfrm>
+      </p:grpSpPr>
+      <p:sp>
+        <p:nvSpPr>
+          <p:cNvPr id="2" name="Прямоугольник 1"/>
+          <p:cNvSpPr/>
+          <p:nvPr/>
+        </p:nvSpPr>
+        <p:spPr>
+          <a:xfrm>
+            <a:off x="0" y="0"/>
+            <a:ext cx="12192000" cy="6858000"/>
+          </a:xfrm>
+          <a:prstGeom prst="rect">
+            <a:avLst/>
+          </a:prstGeom>
+          <a:solidFill>
+            <a:srgbClr val="1E1E1E"/>
+          </a:solidFill>
+          <a:ln>
+            <a:noFill/>
+          </a:ln>
+        </p:spPr>
+        <p:style>
+          <a:lnRef idx="2">
+            <a:schemeClr val="accent1">
+              <a:shade val="50000"/>
+            </a:schemeClr>
+          </a:lnRef>
+          <a:fillRef idx="1">
+            <a:schemeClr val="accent1"/>
+          </a:fillRef>
+          <a:effectRef idx="0">
+            <a:schemeClr val="accent1"/>
+          </a:effectRef>
+          <a:fontRef idx="minor">
+            <a:schemeClr val="lt1"/>
+          </a:fontRef>
+        </p:style>
+        <p:txBody>
+          <a:bodyPr rtlCol="0" anchor="ctr"/>
+          <a:lstStyle/>
+          <a:p>
+            <a:pPr algn="ctr"/>
+            <a:endParaRPr lang="ru-RU" dirty="0">
+              <a:solidFill>
+                <a:srgbClr val="1E1E1E"/>
+              </a:solidFill>
+            </a:endParaRPr>
+          </a:p>
+        </p:txBody>
+      </p:sp>
+      <p:sp>
+        <p:nvSpPr>
+          <p:cNvPr id="10" name="TextBox 9"/>
+          <p:cNvSpPr txBox="1"/>
+          <p:nvPr/>
+        </p:nvSpPr>
+        <p:spPr>
+          <a:xfrm>
+            <a:off x="538618" y="442437"/>
+            <a:ext cx="5368406" cy="2308324"/>
+          </a:xfrm>
+          <a:prstGeom prst="rect">
+            <a:avLst/>
+          </a:prstGeom>
+          <a:noFill/>
+        </p:spPr>
+        <p:txBody>
+          <a:bodyPr wrap="square" rtlCol="0">
+            <a:spAutoFit/>
+          </a:bodyPr>
+          <a:lstStyle/>
+          <a:p>
+            <a:r>
+              <a:rPr lang="ru-RU" sz="3600" dirty="0" smtClean="0">
+                <a:solidFill>
+                  <a:schemeClr val="bg1"/>
+                </a:solidFill>
+                <a:latin typeface="Times New Roman" panose="02020603050405020304" pitchFamily="18" charset="0"/>
+                <a:cs typeface="Times New Roman" panose="02020603050405020304" pitchFamily="18" charset="0"/>
+              </a:rPr>
+              <a:t>Пусть произошло два события-броска. Тогда несложно будет составить таблицу сумм бросков</a:t>
+            </a:r>
+            <a:r>
+              <a:rPr lang="ru-RU" sz="3600" dirty="0" smtClean="0">
+                <a:solidFill>
+                  <a:schemeClr val="bg1"/>
+                </a:solidFill>
+                <a:latin typeface="Times New Roman" panose="02020603050405020304" pitchFamily="18" charset="0"/>
+                <a:cs typeface="Times New Roman" panose="02020603050405020304" pitchFamily="18" charset="0"/>
+              </a:rPr>
+              <a:t>.</a:t>
+            </a:r>
+          </a:p>
+        </p:txBody>
+      </p:sp>
+      <p:sp>
+        <p:nvSpPr>
+          <p:cNvPr id="12" name="TextBox 11"/>
+          <p:cNvSpPr txBox="1"/>
+          <p:nvPr/>
+        </p:nvSpPr>
+        <p:spPr>
+          <a:xfrm>
+            <a:off x="538617" y="2750761"/>
+            <a:ext cx="6139879" cy="2308324"/>
+          </a:xfrm>
+          <a:prstGeom prst="rect">
+            <a:avLst/>
+          </a:prstGeom>
+          <a:noFill/>
+        </p:spPr>
+        <p:txBody>
+          <a:bodyPr wrap="square" rtlCol="0">
+            <a:spAutoFit/>
+          </a:bodyPr>
+          <a:lstStyle/>
+          <a:p>
+            <a:r>
+              <a:rPr lang="ru-RU" sz="3600" dirty="0" smtClean="0">
+                <a:solidFill>
+                  <a:schemeClr val="bg1"/>
+                </a:solidFill>
+                <a:latin typeface="Times New Roman" panose="02020603050405020304" pitchFamily="18" charset="0"/>
+                <a:cs typeface="Times New Roman" panose="02020603050405020304" pitchFamily="18" charset="0"/>
+              </a:rPr>
+              <a:t>Из полученной таблицы можно составить диаграмму, показывающую вероятность  получения данных сумм.</a:t>
+            </a:r>
+          </a:p>
+        </p:txBody>
+      </p:sp>
+      <p:pic>
+        <p:nvPicPr>
+          <p:cNvPr id="9" name="v2_slide6_animated_bars">
+            <a:hlinkClick r:id="" action="ppaction://media"/>
+          </p:cNvPr>
+          <p:cNvPicPr>
+            <a:picLocks noChangeAspect="1"/>
+          </p:cNvPicPr>
+          <p:nvPr>
+            <a:videoFile r:link="rId2"/>
+            <p:extLst>
+              <p:ext uri="{DAA4B4D4-6D71-4841-9C94-3DE7FCFB9230}">
+                <p14:media xmlns:p14="http://schemas.microsoft.com/office/powerpoint/2010/main" r:embed="rId1"/>
+              </p:ext>
+            </p:extLst>
+          </p:nvPr>
+        </p:nvPicPr>
+        <p:blipFill>
+          <a:blip r:embed="rId4"/>
+          <a:stretch>
+            <a:fillRect/>
+          </a:stretch>
+        </p:blipFill>
+        <p:spPr>
+          <a:xfrm>
+            <a:off x="6678496" y="1139657"/>
+            <a:ext cx="5033340" cy="6009958"/>
+          </a:xfrm>
+          <a:prstGeom prst="rect">
+            <a:avLst/>
+          </a:prstGeom>
+        </p:spPr>
+      </p:pic>
+      <p:grpSp>
+        <p:nvGrpSpPr>
+          <p:cNvPr id="3" name="Группа 2"/>
+          <p:cNvGrpSpPr/>
+          <p:nvPr/>
+        </p:nvGrpSpPr>
+        <p:grpSpPr>
+          <a:xfrm>
+            <a:off x="7141464" y="442437"/>
+            <a:ext cx="4372165" cy="4392953"/>
+            <a:chOff x="7141464" y="442437"/>
+            <a:chExt cx="4372165" cy="4392953"/>
+          </a:xfrm>
+        </p:grpSpPr>
+        <p:pic>
+          <p:nvPicPr>
+            <p:cNvPr id="23" name="Рисунок 22"/>
+            <p:cNvPicPr>
+              <a:picLocks noChangeAspect="1"/>
+            </p:cNvPicPr>
+            <p:nvPr/>
+          </p:nvPicPr>
+          <p:blipFill>
+            <a:blip r:embed="rId5">
+              <a:extLst>
+                <a:ext uri="{28A0092B-C50C-407E-A947-70E740481C1C}">
+                  <a14:useLocalDpi xmlns:a14="http://schemas.microsoft.com/office/drawing/2010/main" val="0"/>
+                </a:ext>
+              </a:extLst>
+            </a:blip>
+            <a:stretch>
+              <a:fillRect/>
+            </a:stretch>
+          </p:blipFill>
+          <p:spPr>
+            <a:xfrm>
+              <a:off x="7848976" y="442437"/>
+              <a:ext cx="3664653" cy="697220"/>
+            </a:xfrm>
+            <a:prstGeom prst="rect">
+              <a:avLst/>
+            </a:prstGeom>
+          </p:spPr>
+        </p:pic>
+        <p:pic>
+          <p:nvPicPr>
+            <p:cNvPr id="26" name="Рисунок 25"/>
+            <p:cNvPicPr>
+              <a:picLocks noChangeAspect="1"/>
+            </p:cNvPicPr>
+            <p:nvPr/>
+          </p:nvPicPr>
+          <p:blipFill>
+            <a:blip r:embed="rId5">
+              <a:extLst>
+                <a:ext uri="{28A0092B-C50C-407E-A947-70E740481C1C}">
+                  <a14:useLocalDpi xmlns:a14="http://schemas.microsoft.com/office/drawing/2010/main" val="0"/>
+                </a:ext>
+              </a:extLst>
+            </a:blip>
+            <a:stretch>
+              <a:fillRect/>
+            </a:stretch>
+          </p:blipFill>
+          <p:spPr>
+            <a:xfrm rot="5400000">
+              <a:off x="5635849" y="2622263"/>
+              <a:ext cx="3718742" cy="707511"/>
+            </a:xfrm>
+            <a:prstGeom prst="rect">
+              <a:avLst/>
+            </a:prstGeom>
+          </p:spPr>
+        </p:pic>
+      </p:grpSp>
+    </p:spTree>
+    <p:extLst>
+      <p:ext uri="{BB962C8B-B14F-4D97-AF65-F5344CB8AC3E}">
+        <p14:creationId xmlns:p14="http://schemas.microsoft.com/office/powerpoint/2010/main" val="85373334"/>
+      </p:ext>
+    </p:extLst>
+  </p:cSld>
+  <p:clrMapOvr>
+    <a:masterClrMapping/>
+  </p:clrMapOvr>
+  <p:transition spd="slow">
+    <p:wipe/>
+  </p:transition>
+  <p:timing>
+    <p:tnLst>
+      <p:par>
+        <p:cTn id="1" dur="indefinite" restart="never" nodeType="tmRoot">
+          <p:childTnLst>
+            <p:seq concurrent="1" nextAc="seek">
+              <p:cTn id="2" dur="indefinite" nodeType="mainSeq">
+                <p:childTnLst>
+                  <p:par>
+                    <p:cTn id="3" fill="hold">
+                      <p:stCondLst>
+                        <p:cond delay="indefinite"/>
+                        <p:cond evt="onBegin" delay="0">
+                          <p:tn val="2"/>
+                        </p:cond>
+                      </p:stCondLst>
+                      <p:childTnLst>
+                        <p:par>
+                          <p:cTn id="4" fill="hold">
+                            <p:stCondLst>
+                              <p:cond delay="0"/>
+                            </p:stCondLst>
+                            <p:childTnLst>
+                              <p:par>
+                                <p:cTn id="5" presetID="10" presetClass="entr" presetSubtype="0" fill="hold" grpId="0" nodeType="afterEffect">
+                                  <p:stCondLst>
+                                    <p:cond delay="250"/>
+                                  </p:stCondLst>
+                                  <p:childTnLst>
+                                    <p:set>
+                                      <p:cBhvr>
+                                        <p:cTn id="6" dur="1" fill="hold">
+                                          <p:stCondLst>
+                                            <p:cond delay="0"/>
+                                          </p:stCondLst>
+                                        </p:cTn>
+                                        <p:tgtEl>
+                                          <p:spTgt spid="10"/>
+                                        </p:tgtEl>
+                                        <p:attrNameLst>
+                                          <p:attrName>style.visibility</p:attrName>
+                                        </p:attrNameLst>
+                                      </p:cBhvr>
+                                      <p:to>
+                                        <p:strVal val="visible"/>
+                                      </p:to>
+                                    </p:set>
+                                    <p:animEffect transition="in" filter="fade">
+                                      <p:cBhvr>
+                                        <p:cTn id="7" dur="500"/>
+                                        <p:tgtEl>
+                                          <p:spTgt spid="10"/>
+                                        </p:tgtEl>
+                                      </p:cBhvr>
+                                    </p:animEffect>
+                                  </p:childTnLst>
+                                </p:cTn>
+                              </p:par>
+                            </p:childTnLst>
+                          </p:cTn>
+                        </p:par>
+                        <p:par>
+                          <p:cTn id="8" fill="hold">
+                            <p:stCondLst>
+                              <p:cond delay="750"/>
+                            </p:stCondLst>
+                            <p:childTnLst>
+                              <p:par>
+                                <p:cTn id="9" presetID="10" presetClass="entr" presetSubtype="0" fill="hold" nodeType="afterEffect">
+                                  <p:stCondLst>
+                                    <p:cond delay="0"/>
+                                  </p:stCondLst>
+                                  <p:childTnLst>
+                                    <p:set>
+                                      <p:cBhvr>
+                                        <p:cTn id="10" dur="1" fill="hold">
+                                          <p:stCondLst>
+                                            <p:cond delay="0"/>
+                                          </p:stCondLst>
+                                        </p:cTn>
+                                        <p:tgtEl>
+                                          <p:spTgt spid="3"/>
+                                        </p:tgtEl>
+                                        <p:attrNameLst>
+                                          <p:attrName>style.visibility</p:attrName>
+                                        </p:attrNameLst>
+                                      </p:cBhvr>
+                                      <p:to>
+                                        <p:strVal val="visible"/>
+                                      </p:to>
+                                    </p:set>
+                                    <p:animEffect transition="in" filter="fade">
+                                      <p:cBhvr>
+                                        <p:cTn id="11" dur="500"/>
+                                        <p:tgtEl>
+                                          <p:spTgt spid="3"/>
+                                        </p:tgtEl>
+                                      </p:cBhvr>
+                                    </p:animEffect>
+                                  </p:childTnLst>
+                                </p:cTn>
+                              </p:par>
+                            </p:childTnLst>
+                          </p:cTn>
+                        </p:par>
+                        <p:par>
+                          <p:cTn id="12" fill="hold">
+                            <p:stCondLst>
+                              <p:cond delay="1250"/>
+                            </p:stCondLst>
+                            <p:childTnLst>
+                              <p:par>
+                                <p:cTn id="13" presetID="1" presetClass="mediacall" presetSubtype="0" fill="hold" nodeType="afterEffect">
+                                  <p:stCondLst>
+                                    <p:cond delay="0"/>
+                                  </p:stCondLst>
+                                  <p:childTnLst>
+                                    <p:cmd type="call" cmd="playFrom(0.0)">
+                                      <p:cBhvr>
+                                        <p:cTn id="14" dur="12250" fill="hold"/>
+                                        <p:tgtEl>
+                                          <p:spTgt spid="9"/>
+                                        </p:tgtEl>
+                                      </p:cBhvr>
+                                    </p:cmd>
+                                  </p:childTnLst>
+                                </p:cTn>
+                              </p:par>
+                              <p:par>
+                                <p:cTn id="15" presetID="2" presetClass="mediacall" presetSubtype="0" fill="hold" nodeType="withEffect">
+                                  <p:stCondLst>
+                                    <p:cond delay="0"/>
+                                  </p:stCondLst>
+                                  <p:childTnLst>
+                                    <p:cmd type="call" cmd="togglePause">
+                                      <p:cBhvr>
+                                        <p:cTn id="16" dur="1" fill="hold"/>
+                                        <p:tgtEl>
+                                          <p:spTgt spid="9"/>
+                                        </p:tgtEl>
+                                      </p:cBhvr>
+                                    </p:cmd>
+                                  </p:childTnLst>
+                                </p:cTn>
+                              </p:par>
+                            </p:childTnLst>
+                          </p:cTn>
+                        </p:par>
+                      </p:childTnLst>
+                    </p:cTn>
+                  </p:par>
+                  <p:par>
+                    <p:cTn id="17" fill="hold">
+                      <p:stCondLst>
+                        <p:cond delay="indefinite"/>
+                      </p:stCondLst>
+                      <p:childTnLst>
+                        <p:par>
+                          <p:cTn id="18" fill="hold">
+                            <p:stCondLst>
+                              <p:cond delay="0"/>
+                            </p:stCondLst>
+                            <p:childTnLst>
+                              <p:par>
+                                <p:cTn id="19" presetID="10" presetClass="entr" presetSubtype="0" fill="hold" grpId="0" nodeType="clickEffect">
+                                  <p:stCondLst>
+                                    <p:cond delay="0"/>
+                                  </p:stCondLst>
+                                  <p:childTnLst>
+                                    <p:set>
+                                      <p:cBhvr>
+                                        <p:cTn id="20" dur="1" fill="hold">
+                                          <p:stCondLst>
+                                            <p:cond delay="0"/>
+                                          </p:stCondLst>
+                                        </p:cTn>
+                                        <p:tgtEl>
+                                          <p:spTgt spid="12"/>
+                                        </p:tgtEl>
+                                        <p:attrNameLst>
+                                          <p:attrName>style.visibility</p:attrName>
+                                        </p:attrNameLst>
+                                      </p:cBhvr>
+                                      <p:to>
+                                        <p:strVal val="visible"/>
+                                      </p:to>
+                                    </p:set>
+                                    <p:animEffect transition="in" filter="fade">
+                                      <p:cBhvr>
+                                        <p:cTn id="21" dur="500"/>
+                                        <p:tgtEl>
+                                          <p:spTgt spid="12"/>
+                                        </p:tgtEl>
+                                      </p:cBhvr>
+                                    </p:animEffect>
+                                  </p:childTnLst>
+                                </p:cTn>
+                              </p:par>
+                            </p:childTnLst>
+                          </p:cTn>
+                        </p:par>
+                        <p:par>
+                          <p:cTn id="22" fill="hold">
+                            <p:stCondLst>
+                              <p:cond delay="500"/>
+                            </p:stCondLst>
+                            <p:childTnLst>
+                              <p:par>
+                                <p:cTn id="23" presetID="2" presetClass="mediacall" presetSubtype="0" fill="hold" nodeType="afterEffect">
+                                  <p:stCondLst>
+                                    <p:cond delay="500"/>
+                                  </p:stCondLst>
+                                  <p:childTnLst>
+                                    <p:cmd type="call" cmd="togglePause">
+                                      <p:cBhvr>
+                                        <p:cTn id="24" dur="1" fill="hold"/>
+                                        <p:tgtEl>
+                                          <p:spTgt spid="9"/>
+                                        </p:tgtEl>
+                                      </p:cBhvr>
+                                    </p:cmd>
+                                  </p:childTnLst>
+                                </p:cTn>
+                              </p:par>
+                            </p:childTnLst>
+                          </p:cTn>
+                        </p:par>
+                      </p:childTnLst>
+                    </p:cTn>
+                  </p:par>
+                </p:childTnLst>
+              </p:cTn>
+              <p:prevCondLst>
+                <p:cond evt="onPrev" delay="0">
+                  <p:tgtEl>
+                    <p:sldTgt/>
+                  </p:tgtEl>
+                </p:cond>
+              </p:prevCondLst>
+              <p:nextCondLst>
+                <p:cond evt="onNext" delay="0">
+                  <p:tgtEl>
+                    <p:sldTgt/>
+                  </p:tgtEl>
+                </p:cond>
+              </p:nextCondLst>
+            </p:seq>
+            <p:video>
+              <p:cMediaNode vol="80000">
+                <p:cTn id="25" fill="hold" display="0">
+                  <p:stCondLst>
+                    <p:cond delay="indefinite"/>
+                  </p:stCondLst>
+                </p:cTn>
+                <p:tgtEl>
+                  <p:spTgt spid="9"/>
+                </p:tgtEl>
+              </p:cMediaNode>
+            </p:video>
+          </p:childTnLst>
+        </p:cTn>
+      </p:par>
+    </p:tnLst>
+    <p:bldLst>
+      <p:bldP spid="10" grpId="0"/>
+      <p:bldP spid="12" grpId="0"/>
+    </p:bldLst>
+  </p:timing>
+</p:sld>
+</file>
+
+<file path=ppt/tags/tag1.xml><?xml version="1.0" encoding="utf-8"?>
+<p:tagLst xmlns:a="http://schemas.openxmlformats.org/drawingml/2006/main" xmlns:r="http://schemas.openxmlformats.org/officeDocument/2006/relationships" xmlns:p="http://schemas.openxmlformats.org/presentationml/2006/main">
+  <p:tag name="OUTPUTDPI" val="2000"/>
+  <p:tag name="ORIGINALHEIGHT" val="826.3967"/>
+  <p:tag name="ORIGINALWIDTH" val="2148.481"/>
+  <p:tag name="OUTPUTTYPE" val="PNG"/>
+  <p:tag name="IGUANATEXVERSION" val="160"/>
+  <p:tag name="LATEXADDIN" val="\documentclass{article}&#10;\input{D:/some__shit/Ultra_Probably_Project/pkg.tex}&#10;\pagestyle{empty}&#10;\begin{document}&#10;&#10;$\YELLOWC{Rate^{\star}} \WHITE{ = \frac{1}{5} \displaystyle\sum_{i=1}^{122} \YELLOWC{Roll_i}} \\*&#10;\WHITE{1 \leq \YELLOWC{Roll_i} \leq 5; \YELLOWC{Roll_i} \in \mathbb{N}}$&#10;&#10;\end{document}"/>
+  <p:tag name="IGUANATEXSIZE" val="60"/>
+  <p:tag name="IGUANATEXCURSOR" val="210"/>
+  <p:tag name="TRANSPARENCY" val="True"/>
+  <p:tag name="FILENAME" val=""/>
+  <p:tag name="LATEXENGINEID" val="0"/>
+  <p:tag name="TEMPFOLDER" val=".\media\temp\"/>
+  <p:tag name="LATEXFORMHEIGHT" val="320"/>
+  <p:tag name="LATEXFORMWIDTH" val="385"/>
+  <p:tag name="LATEXFORMWRAP" val="True"/>
+  <p:tag name="BITMAPVECTOR" val="0"/>
+</p:tagLst>
 </file>
 
 <file path=ppt/theme/theme1.xml><?xml version="1.0" encoding="utf-8"?>
